--- a/게임 소프트웨어 공학 Lecture 1.pptx
+++ b/게임 소프트웨어 공학 Lecture 1.pptx
@@ -177,7 +177,7 @@
 <file path=ppt/revisionInfo.xml><?xml version="1.0" encoding="utf-8"?>
 <p1510:revInfo xmlns:a="http://schemas.openxmlformats.org/drawingml/2006/main" xmlns:r="http://schemas.openxmlformats.org/officeDocument/2006/relationships" xmlns:p1510="http://schemas.microsoft.com/office/powerpoint/2015/10/main">
   <p1510:revLst>
-    <p1510:client id="{43EB59C1-090D-4E9C-8D2E-1E35AB681EC4}" v="142" dt="2018-09-05T08:40:38.194"/>
+    <p1510:client id="{43EB59C1-090D-4E9C-8D2E-1E35AB681EC4}" v="147" dt="2018-09-07T01:38:41.039"/>
   </p1510:revLst>
 </p1510:revInfo>
 </file>
@@ -187,18 +187,33 @@
   <pc:docChgLst>
     <pc:chgData name="김태화" userId="259b61d2-9729-4474-b7b7-48c44ad9d088" providerId="ADAL" clId="{43EB59C1-090D-4E9C-8D2E-1E35AB681EC4}"/>
     <pc:docChg chg="modSld">
-      <pc:chgData name="김태화" userId="259b61d2-9729-4474-b7b7-48c44ad9d088" providerId="ADAL" clId="{43EB59C1-090D-4E9C-8D2E-1E35AB681EC4}" dt="2018-09-05T08:40:38.194" v="141" actId="115"/>
+      <pc:chgData name="김태화" userId="259b61d2-9729-4474-b7b7-48c44ad9d088" providerId="ADAL" clId="{43EB59C1-090D-4E9C-8D2E-1E35AB681EC4}" dt="2018-09-07T01:38:41.039" v="146" actId="20577"/>
       <pc:docMkLst>
         <pc:docMk/>
       </pc:docMkLst>
       <pc:sldChg chg="modSp">
-        <pc:chgData name="김태화" userId="259b61d2-9729-4474-b7b7-48c44ad9d088" providerId="ADAL" clId="{43EB59C1-090D-4E9C-8D2E-1E35AB681EC4}" dt="2018-09-05T08:40:38.194" v="141" actId="115"/>
+        <pc:chgData name="김태화" userId="259b61d2-9729-4474-b7b7-48c44ad9d088" providerId="ADAL" clId="{43EB59C1-090D-4E9C-8D2E-1E35AB681EC4}" dt="2018-09-07T01:38:21.107" v="142" actId="20577"/>
+        <pc:sldMkLst>
+          <pc:docMk/>
+          <pc:sldMk cId="2744173525" sldId="260"/>
+        </pc:sldMkLst>
+        <pc:spChg chg="mod">
+          <ac:chgData name="김태화" userId="259b61d2-9729-4474-b7b7-48c44ad9d088" providerId="ADAL" clId="{43EB59C1-090D-4E9C-8D2E-1E35AB681EC4}" dt="2018-09-07T01:38:21.107" v="142" actId="20577"/>
+          <ac:spMkLst>
+            <pc:docMk/>
+            <pc:sldMk cId="2744173525" sldId="260"/>
+            <ac:spMk id="2" creationId="{00000000-0000-0000-0000-000000000000}"/>
+          </ac:spMkLst>
+        </pc:spChg>
+      </pc:sldChg>
+      <pc:sldChg chg="modSp">
+        <pc:chgData name="김태화" userId="259b61d2-9729-4474-b7b7-48c44ad9d088" providerId="ADAL" clId="{43EB59C1-090D-4E9C-8D2E-1E35AB681EC4}" dt="2018-09-07T01:38:41.039" v="146" actId="20577"/>
         <pc:sldMkLst>
           <pc:docMk/>
           <pc:sldMk cId="3925483237" sldId="262"/>
         </pc:sldMkLst>
         <pc:spChg chg="mod">
-          <ac:chgData name="김태화" userId="259b61d2-9729-4474-b7b7-48c44ad9d088" providerId="ADAL" clId="{43EB59C1-090D-4E9C-8D2E-1E35AB681EC4}" dt="2018-09-05T08:40:38.194" v="141" actId="115"/>
+          <ac:chgData name="김태화" userId="259b61d2-9729-4474-b7b7-48c44ad9d088" providerId="ADAL" clId="{43EB59C1-090D-4E9C-8D2E-1E35AB681EC4}" dt="2018-09-07T01:38:41.039" v="146" actId="20577"/>
           <ac:spMkLst>
             <pc:docMk/>
             <pc:sldMk cId="3925483237" sldId="262"/>
@@ -293,7 +308,7 @@
           <a:p>
             <a:fld id="{B83E6ACC-2BC2-4696-B17F-58B7A0A446DF}" type="datetimeFigureOut">
               <a:rPr lang="ko-KR" altLang="en-US" smtClean="0"/>
-              <a:t>2018-09-05</a:t>
+              <a:t>2018-09-07</a:t>
             </a:fld>
             <a:endParaRPr lang="ko-KR" altLang="en-US"/>
           </a:p>
@@ -689,7 +704,7 @@
           <a:p>
             <a:fld id="{75886E34-028A-43C2-8D62-DB379F692A64}" type="datetimeFigureOut">
               <a:rPr lang="ko-KR" altLang="en-US" smtClean="0"/>
-              <a:t>2018-09-05</a:t>
+              <a:t>2018-09-07</a:t>
             </a:fld>
             <a:endParaRPr lang="ko-KR" altLang="en-US"/>
           </a:p>
@@ -857,7 +872,7 @@
           <a:p>
             <a:fld id="{75886E34-028A-43C2-8D62-DB379F692A64}" type="datetimeFigureOut">
               <a:rPr lang="ko-KR" altLang="en-US" smtClean="0"/>
-              <a:t>2018-09-05</a:t>
+              <a:t>2018-09-07</a:t>
             </a:fld>
             <a:endParaRPr lang="ko-KR" altLang="en-US"/>
           </a:p>
@@ -1035,7 +1050,7 @@
           <a:p>
             <a:fld id="{75886E34-028A-43C2-8D62-DB379F692A64}" type="datetimeFigureOut">
               <a:rPr lang="ko-KR" altLang="en-US" smtClean="0"/>
-              <a:t>2018-09-05</a:t>
+              <a:t>2018-09-07</a:t>
             </a:fld>
             <a:endParaRPr lang="ko-KR" altLang="en-US"/>
           </a:p>
@@ -1203,7 +1218,7 @@
           <a:p>
             <a:fld id="{75886E34-028A-43C2-8D62-DB379F692A64}" type="datetimeFigureOut">
               <a:rPr lang="ko-KR" altLang="en-US" smtClean="0"/>
-              <a:t>2018-09-05</a:t>
+              <a:t>2018-09-07</a:t>
             </a:fld>
             <a:endParaRPr lang="ko-KR" altLang="en-US"/>
           </a:p>
@@ -1448,7 +1463,7 @@
           <a:p>
             <a:fld id="{75886E34-028A-43C2-8D62-DB379F692A64}" type="datetimeFigureOut">
               <a:rPr lang="ko-KR" altLang="en-US" smtClean="0"/>
-              <a:t>2018-09-05</a:t>
+              <a:t>2018-09-07</a:t>
             </a:fld>
             <a:endParaRPr lang="ko-KR" altLang="en-US"/>
           </a:p>
@@ -1677,7 +1692,7 @@
           <a:p>
             <a:fld id="{75886E34-028A-43C2-8D62-DB379F692A64}" type="datetimeFigureOut">
               <a:rPr lang="ko-KR" altLang="en-US" smtClean="0"/>
-              <a:t>2018-09-05</a:t>
+              <a:t>2018-09-07</a:t>
             </a:fld>
             <a:endParaRPr lang="ko-KR" altLang="en-US"/>
           </a:p>
@@ -2041,7 +2056,7 @@
           <a:p>
             <a:fld id="{75886E34-028A-43C2-8D62-DB379F692A64}" type="datetimeFigureOut">
               <a:rPr lang="ko-KR" altLang="en-US" smtClean="0"/>
-              <a:t>2018-09-05</a:t>
+              <a:t>2018-09-07</a:t>
             </a:fld>
             <a:endParaRPr lang="ko-KR" altLang="en-US"/>
           </a:p>
@@ -2158,7 +2173,7 @@
           <a:p>
             <a:fld id="{75886E34-028A-43C2-8D62-DB379F692A64}" type="datetimeFigureOut">
               <a:rPr lang="ko-KR" altLang="en-US" smtClean="0"/>
-              <a:t>2018-09-05</a:t>
+              <a:t>2018-09-07</a:t>
             </a:fld>
             <a:endParaRPr lang="ko-KR" altLang="en-US"/>
           </a:p>
@@ -2253,7 +2268,7 @@
           <a:p>
             <a:fld id="{75886E34-028A-43C2-8D62-DB379F692A64}" type="datetimeFigureOut">
               <a:rPr lang="ko-KR" altLang="en-US" smtClean="0"/>
-              <a:t>2018-09-05</a:t>
+              <a:t>2018-09-07</a:t>
             </a:fld>
             <a:endParaRPr lang="ko-KR" altLang="en-US"/>
           </a:p>
@@ -2528,7 +2543,7 @@
           <a:p>
             <a:fld id="{75886E34-028A-43C2-8D62-DB379F692A64}" type="datetimeFigureOut">
               <a:rPr lang="ko-KR" altLang="en-US" smtClean="0"/>
-              <a:t>2018-09-05</a:t>
+              <a:t>2018-09-07</a:t>
             </a:fld>
             <a:endParaRPr lang="ko-KR" altLang="en-US"/>
           </a:p>
@@ -2780,7 +2795,7 @@
           <a:p>
             <a:fld id="{75886E34-028A-43C2-8D62-DB379F692A64}" type="datetimeFigureOut">
               <a:rPr lang="ko-KR" altLang="en-US" smtClean="0"/>
-              <a:t>2018-09-05</a:t>
+              <a:t>2018-09-07</a:t>
             </a:fld>
             <a:endParaRPr lang="ko-KR" altLang="en-US"/>
           </a:p>
@@ -2991,7 +3006,7 @@
           <a:p>
             <a:fld id="{75886E34-028A-43C2-8D62-DB379F692A64}" type="datetimeFigureOut">
               <a:rPr lang="ko-KR" altLang="en-US" smtClean="0"/>
-              <a:t>2018-09-05</a:t>
+              <a:t>2018-09-07</a:t>
             </a:fld>
             <a:endParaRPr lang="ko-KR" altLang="en-US"/>
           </a:p>
@@ -4036,6 +4051,11 @@
               <a:rPr lang="ko-KR" altLang="en-US" dirty="0"/>
               <a:t>소프트웨어</a:t>
             </a:r>
+            <a:r>
+              <a:rPr lang="en-US" altLang="ko-KR" dirty="0"/>
+              <a:t>*</a:t>
+            </a:r>
+            <a:endParaRPr lang="ko-KR" altLang="en-US" dirty="0"/>
           </a:p>
         </p:txBody>
       </p:sp>
@@ -9254,7 +9274,7 @@
             </a:pPr>
             <a:r>
               <a:rPr lang="en-US" altLang="ko-KR" dirty="0"/>
-              <a:t> </a:t>
+              <a:t> *</a:t>
             </a:r>
             <a:r>
               <a:rPr lang="ko-KR" altLang="en-US" sz="2400" dirty="0"/>
@@ -9293,8 +9313,8 @@
               <a:buNone/>
             </a:pPr>
             <a:r>
-              <a:rPr lang="en-US" altLang="ko-KR" sz="2400" dirty="0"/>
-              <a:t>  - </a:t>
+              <a:rPr lang="en-US" altLang="ko-KR" sz="2400"/>
+              <a:t>  *</a:t>
             </a:r>
             <a:r>
               <a:rPr lang="ko-KR" altLang="en-US" sz="2400" dirty="0"/>
